--- a/2020 Feb - Boost your APIs using ASP.NET Core 3/slides.pptx
+++ b/2020 Feb - Boost your APIs using ASP.NET Core 3/slides.pptx
@@ -2,7 +2,7 @@
 <file path=ppt/presentation.xml><?xml version="1.0" encoding="utf-8"?>
 <p:presentation xmlns:a="http://schemas.openxmlformats.org/drawingml/2006/main" xmlns:r="http://schemas.openxmlformats.org/officeDocument/2006/relationships" xmlns:p="http://schemas.openxmlformats.org/presentationml/2006/main" saveSubsetFonts="1">
   <p:sldMasterIdLst>
-    <p:sldMasterId id="2147483768" r:id="rId1"/>
+    <p:sldMasterId id="2147483778" r:id="rId1"/>
   </p:sldMasterIdLst>
   <p:notesMasterIdLst>
     <p:notesMasterId r:id="rId34"/>
@@ -5316,7 +5316,7 @@
     </p:spTree>
     <p:extLst>
       <p:ext uri="{BB962C8B-B14F-4D97-AF65-F5344CB8AC3E}">
-        <p14:creationId xmlns:p14="http://schemas.microsoft.com/office/powerpoint/2010/main" val="2037311240"/>
+        <p14:creationId xmlns:p14="http://schemas.microsoft.com/office/powerpoint/2010/main" val="4002958946"/>
       </p:ext>
     </p:extLst>
   </p:cSld>
@@ -5514,7 +5514,7 @@
     </p:spTree>
     <p:extLst>
       <p:ext uri="{BB962C8B-B14F-4D97-AF65-F5344CB8AC3E}">
-        <p14:creationId xmlns:p14="http://schemas.microsoft.com/office/powerpoint/2010/main" val="3144086305"/>
+        <p14:creationId xmlns:p14="http://schemas.microsoft.com/office/powerpoint/2010/main" val="1060126759"/>
       </p:ext>
     </p:extLst>
   </p:cSld>
@@ -5775,7 +5775,7 @@
     </p:spTree>
     <p:extLst>
       <p:ext uri="{BB962C8B-B14F-4D97-AF65-F5344CB8AC3E}">
-        <p14:creationId xmlns:p14="http://schemas.microsoft.com/office/powerpoint/2010/main" val="1211038901"/>
+        <p14:creationId xmlns:p14="http://schemas.microsoft.com/office/powerpoint/2010/main" val="1024713148"/>
       </p:ext>
     </p:extLst>
   </p:cSld>
@@ -6055,7 +6055,7 @@
     </p:spTree>
     <p:extLst>
       <p:ext uri="{BB962C8B-B14F-4D97-AF65-F5344CB8AC3E}">
-        <p14:creationId xmlns:p14="http://schemas.microsoft.com/office/powerpoint/2010/main" val="499612980"/>
+        <p14:creationId xmlns:p14="http://schemas.microsoft.com/office/powerpoint/2010/main" val="124320056"/>
       </p:ext>
     </p:extLst>
   </p:cSld>
@@ -6477,7 +6477,7 @@
     </p:spTree>
     <p:extLst>
       <p:ext uri="{BB962C8B-B14F-4D97-AF65-F5344CB8AC3E}">
-        <p14:creationId xmlns:p14="http://schemas.microsoft.com/office/powerpoint/2010/main" val="4247282964"/>
+        <p14:creationId xmlns:p14="http://schemas.microsoft.com/office/powerpoint/2010/main" val="648657913"/>
       </p:ext>
     </p:extLst>
   </p:cSld>
@@ -6613,7 +6613,7 @@
     </p:spTree>
     <p:extLst>
       <p:ext uri="{BB962C8B-B14F-4D97-AF65-F5344CB8AC3E}">
-        <p14:creationId xmlns:p14="http://schemas.microsoft.com/office/powerpoint/2010/main" val="611519497"/>
+        <p14:creationId xmlns:p14="http://schemas.microsoft.com/office/powerpoint/2010/main" val="4100559548"/>
       </p:ext>
     </p:extLst>
   </p:cSld>
@@ -6697,7 +6697,7 @@
     </p:spTree>
     <p:extLst>
       <p:ext uri="{BB962C8B-B14F-4D97-AF65-F5344CB8AC3E}">
-        <p14:creationId xmlns:p14="http://schemas.microsoft.com/office/powerpoint/2010/main" val="3690522523"/>
+        <p14:creationId xmlns:p14="http://schemas.microsoft.com/office/powerpoint/2010/main" val="2832356963"/>
       </p:ext>
     </p:extLst>
   </p:cSld>
@@ -6983,7 +6983,7 @@
     </p:spTree>
     <p:extLst>
       <p:ext uri="{BB962C8B-B14F-4D97-AF65-F5344CB8AC3E}">
-        <p14:creationId xmlns:p14="http://schemas.microsoft.com/office/powerpoint/2010/main" val="802206956"/>
+        <p14:creationId xmlns:p14="http://schemas.microsoft.com/office/powerpoint/2010/main" val="2917353900"/>
       </p:ext>
     </p:extLst>
   </p:cSld>
@@ -7249,7 +7249,7 @@
     </p:spTree>
     <p:extLst>
       <p:ext uri="{BB962C8B-B14F-4D97-AF65-F5344CB8AC3E}">
-        <p14:creationId xmlns:p14="http://schemas.microsoft.com/office/powerpoint/2010/main" val="3460838143"/>
+        <p14:creationId xmlns:p14="http://schemas.microsoft.com/office/powerpoint/2010/main" val="3398292387"/>
       </p:ext>
     </p:extLst>
   </p:cSld>
@@ -7537,7 +7537,7 @@
               <a:rPr lang="en-US" sz="2800" dirty="0">
                 <a:hlinkClick r:id="rId12"/>
               </a:rPr>
-              <a:t>https://dotnetug.bg/</a:t>
+              <a:t>dotnetbulgaria.org</a:t>
             </a:r>
             <a:endParaRPr lang="bg-BG" sz="2800" dirty="0"/>
           </a:p>
@@ -7546,21 +7546,21 @@
     </p:spTree>
     <p:extLst>
       <p:ext uri="{BB962C8B-B14F-4D97-AF65-F5344CB8AC3E}">
-        <p14:creationId xmlns:p14="http://schemas.microsoft.com/office/powerpoint/2010/main" val="583056072"/>
+        <p14:creationId xmlns:p14="http://schemas.microsoft.com/office/powerpoint/2010/main" val="3421196035"/>
       </p:ext>
     </p:extLst>
   </p:cSld>
   <p:clrMap bg1="lt1" tx1="dk1" bg2="lt2" tx2="dk2" accent1="accent1" accent2="accent2" accent3="accent3" accent4="accent4" accent5="accent5" accent6="accent6" hlink="hlink" folHlink="folHlink"/>
   <p:sldLayoutIdLst>
-    <p:sldLayoutId id="2147483769" r:id="rId1"/>
-    <p:sldLayoutId id="2147483770" r:id="rId2"/>
-    <p:sldLayoutId id="2147483771" r:id="rId3"/>
-    <p:sldLayoutId id="2147483772" r:id="rId4"/>
-    <p:sldLayoutId id="2147483773" r:id="rId5"/>
-    <p:sldLayoutId id="2147483774" r:id="rId6"/>
-    <p:sldLayoutId id="2147483775" r:id="rId7"/>
-    <p:sldLayoutId id="2147483776" r:id="rId8"/>
-    <p:sldLayoutId id="2147483777" r:id="rId9"/>
+    <p:sldLayoutId id="2147483779" r:id="rId1"/>
+    <p:sldLayoutId id="2147483780" r:id="rId2"/>
+    <p:sldLayoutId id="2147483781" r:id="rId3"/>
+    <p:sldLayoutId id="2147483782" r:id="rId4"/>
+    <p:sldLayoutId id="2147483783" r:id="rId5"/>
+    <p:sldLayoutId id="2147483784" r:id="rId6"/>
+    <p:sldLayoutId id="2147483785" r:id="rId7"/>
+    <p:sldLayoutId id="2147483786" r:id="rId8"/>
+    <p:sldLayoutId id="2147483787" r:id="rId9"/>
   </p:sldLayoutIdLst>
   <p:txStyles>
     <p:titleStyle>
@@ -9627,12 +9627,7 @@
             <p:ph type="title"/>
           </p:nvPr>
         </p:nvSpPr>
-        <p:spPr>
-          <a:xfrm>
-            <a:off x="3973484" y="320675"/>
-            <a:ext cx="7467864" cy="1325563"/>
-          </a:xfrm>
-        </p:spPr>
+        <p:spPr/>
         <p:txBody>
           <a:bodyPr/>
           <a:lstStyle/>
@@ -9668,12 +9663,7 @@
             <p:ph idx="1"/>
           </p:nvPr>
         </p:nvSpPr>
-        <p:spPr>
-          <a:xfrm>
-            <a:off x="838200" y="1867188"/>
-            <a:ext cx="10515600" cy="4351338"/>
-          </a:xfrm>
-        </p:spPr>
+        <p:spPr/>
         <p:txBody>
           <a:bodyPr/>
           <a:lstStyle/>
@@ -14729,7 +14719,7 @@
 </file>
 
 <file path=ppt/theme/theme1.xml><?xml version="1.0" encoding="utf-8"?>
-<a:theme xmlns:a="http://schemas.openxmlformats.org/drawingml/2006/main" name="dotnetug template">
+<a:theme xmlns:a="http://schemas.openxmlformats.org/drawingml/2006/main" name="slides template">
   <a:themeElements>
     <a:clrScheme name="Office">
       <a:dk1>
